--- a/Awards/Science/Innovator of the Week 02-03-2018.pptx
+++ b/Awards/Science/Innovator of the Week 02-03-2018.pptx
@@ -106,7 +106,7 @@
   </p:defaultTextStyle>
   <p:extLst>
     <p:ext uri="{EFAFB233-063F-42B5-8137-9DF3F51BA10A}">
-      <p15:sldGuideLst xmlns:p15="http://schemas.microsoft.com/office/powerpoint/2012/main">
+      <p15:sldGuideLst xmlns:p15="http://schemas.microsoft.com/office/powerpoint/2012/main" xmlns="">
         <p15:guide id="1" orient="horz" pos="2160">
           <p15:clr>
             <a:srgbClr val="A4A3A4"/>
@@ -6761,7 +6761,7 @@
             <a:fld id="{1D8BD707-D9CF-40AE-B4C6-C98DA3205C09}" type="datetimeFigureOut">
               <a:rPr lang="en-US" smtClean="0"/>
               <a:pPr/>
-              <a:t>2/3/2018</a:t>
+              <a:t>2/17/18</a:t>
             </a:fld>
             <a:endParaRPr lang="en-US"/>
           </a:p>
@@ -6970,7 +6970,7 @@
             <a:fld id="{1D8BD707-D9CF-40AE-B4C6-C98DA3205C09}" type="datetimeFigureOut">
               <a:rPr lang="en-US" smtClean="0"/>
               <a:pPr/>
-              <a:t>2/3/2018</a:t>
+              <a:t>2/17/18</a:t>
             </a:fld>
             <a:endParaRPr lang="en-US"/>
           </a:p>
@@ -7152,7 +7152,7 @@
             <a:fld id="{1D8BD707-D9CF-40AE-B4C6-C98DA3205C09}" type="datetimeFigureOut">
               <a:rPr lang="en-US" smtClean="0"/>
               <a:pPr/>
-              <a:t>2/3/2018</a:t>
+              <a:t>2/17/18</a:t>
             </a:fld>
             <a:endParaRPr lang="en-US"/>
           </a:p>
@@ -7359,7 +7359,7 @@
             <a:fld id="{1D8BD707-D9CF-40AE-B4C6-C98DA3205C09}" type="datetimeFigureOut">
               <a:rPr lang="en-US" smtClean="0"/>
               <a:pPr/>
-              <a:t>2/3/2018</a:t>
+              <a:t>2/17/18</a:t>
             </a:fld>
             <a:endParaRPr lang="en-US"/>
           </a:p>
@@ -14099,7 +14099,7 @@
             <a:fld id="{1D8BD707-D9CF-40AE-B4C6-C98DA3205C09}" type="datetimeFigureOut">
               <a:rPr lang="en-US" smtClean="0"/>
               <a:pPr/>
-              <a:t>2/3/2018</a:t>
+              <a:t>2/17/18</a:t>
             </a:fld>
             <a:endParaRPr lang="en-US"/>
           </a:p>
@@ -14375,7 +14375,7 @@
             <a:fld id="{1D8BD707-D9CF-40AE-B4C6-C98DA3205C09}" type="datetimeFigureOut">
               <a:rPr lang="en-US" smtClean="0"/>
               <a:pPr/>
-              <a:t>2/3/2018</a:t>
+              <a:t>2/17/18</a:t>
             </a:fld>
             <a:endParaRPr lang="en-US"/>
           </a:p>
@@ -14780,7 +14780,7 @@
             <a:fld id="{1D8BD707-D9CF-40AE-B4C6-C98DA3205C09}" type="datetimeFigureOut">
               <a:rPr lang="en-US" smtClean="0"/>
               <a:pPr/>
-              <a:t>2/3/2018</a:t>
+              <a:t>2/17/18</a:t>
             </a:fld>
             <a:endParaRPr lang="en-US"/>
           </a:p>
@@ -14900,7 +14900,7 @@
             <a:fld id="{1D8BD707-D9CF-40AE-B4C6-C98DA3205C09}" type="datetimeFigureOut">
               <a:rPr lang="en-US" smtClean="0"/>
               <a:pPr/>
-              <a:t>2/3/2018</a:t>
+              <a:t>2/17/18</a:t>
             </a:fld>
             <a:endParaRPr lang="en-US"/>
           </a:p>
@@ -14997,7 +14997,7 @@
             <a:fld id="{1D8BD707-D9CF-40AE-B4C6-C98DA3205C09}" type="datetimeFigureOut">
               <a:rPr lang="en-US" smtClean="0"/>
               <a:pPr/>
-              <a:t>2/3/2018</a:t>
+              <a:t>2/17/18</a:t>
             </a:fld>
             <a:endParaRPr lang="en-US"/>
           </a:p>
@@ -15291,7 +15291,7 @@
             <a:fld id="{1D8BD707-D9CF-40AE-B4C6-C98DA3205C09}" type="datetimeFigureOut">
               <a:rPr lang="en-US" smtClean="0"/>
               <a:pPr/>
-              <a:t>2/3/2018</a:t>
+              <a:t>2/17/18</a:t>
             </a:fld>
             <a:endParaRPr lang="en-US"/>
           </a:p>
@@ -15573,7 +15573,7 @@
             <a:fld id="{1D8BD707-D9CF-40AE-B4C6-C98DA3205C09}" type="datetimeFigureOut">
               <a:rPr lang="en-US" smtClean="0"/>
               <a:pPr/>
-              <a:t>2/3/2018</a:t>
+              <a:t>2/17/18</a:t>
             </a:fld>
             <a:endParaRPr lang="en-US"/>
           </a:p>
@@ -15825,7 +15825,7 @@
             <a:fld id="{1D8BD707-D9CF-40AE-B4C6-C98DA3205C09}" type="datetimeFigureOut">
               <a:rPr lang="en-US" smtClean="0"/>
               <a:pPr/>
-              <a:t>2/3/2018</a:t>
+              <a:t>2/17/18</a:t>
             </a:fld>
             <a:endParaRPr lang="en-US"/>
           </a:p>
@@ -16507,7 +16507,7 @@
               </a:lnSpc>
             </a:pPr>
             <a:r>
-              <a:rPr lang="en-US" sz="5400" b="1">
+              <a:rPr lang="en-US" sz="5400" b="1" dirty="0">
                 <a:solidFill>
                   <a:srgbClr val="C8C300"/>
                 </a:solidFill>
@@ -16515,7 +16515,18 @@
                 <a:ea typeface="Futura ND for Nike 365 Cn XBd" charset="0"/>
                 <a:cs typeface="Futura ND for Nike 365 Cn XBd" charset="0"/>
               </a:rPr>
-              <a:t>Manish S.</a:t>
+              <a:t>Manish </a:t>
+            </a:r>
+            <a:r>
+              <a:rPr lang="en-US" sz="5400" b="1" smtClean="0">
+                <a:solidFill>
+                  <a:srgbClr val="C8C300"/>
+                </a:solidFill>
+                <a:latin typeface="Futura ND for Nike 365 Cn XBd" charset="0"/>
+                <a:ea typeface="Futura ND for Nike 365 Cn XBd" charset="0"/>
+                <a:cs typeface="Futura ND for Nike 365 Cn XBd" charset="0"/>
+              </a:rPr>
+              <a:t>Saraf</a:t>
             </a:r>
             <a:endParaRPr lang="en-US" sz="5400" b="1" dirty="0">
               <a:solidFill>
@@ -16967,7 +16978,7 @@
   <a:extraClrSchemeLst/>
   <a:extLst>
     <a:ext uri="{05A4C25C-085E-4340-85A3-A5531E510DB2}">
-      <thm15:themeFamily xmlns:thm15="http://schemas.microsoft.com/office/thememl/2012/main" name="Integral" id="{3577F8C9-A904-41D8-97D2-FD898F53F20E}" vid="{682D6EBE-8D36-4FF2-9DB3-F3D8D7B6715D}"/>
+      <thm15:themeFamily xmlns:thm15="http://schemas.microsoft.com/office/thememl/2012/main" xmlns="" name="Integral" id="{3577F8C9-A904-41D8-97D2-FD898F53F20E}" vid="{682D6EBE-8D36-4FF2-9DB3-F3D8D7B6715D}"/>
     </a:ext>
   </a:extLst>
 </a:theme>
